--- a/1821005_中間発表_テンプレ - (案).pptx
+++ b/1821005_中間発表_テンプレ - (案).pptx
@@ -4130,7 +4130,55 @@
           <a:bodyPr/>
           <a:lstStyle/>
           <a:p>
-            <a:endParaRPr kumimoji="1" lang="ja-JP" altLang="en-US"/>
+            <a:r>
+              <a:rPr kumimoji="1" lang="en-US" altLang="ja-JP" dirty="0" smtClean="0"/>
+              <a:t>SIFT</a:t>
+            </a:r>
+            <a:r>
+              <a:rPr kumimoji="1" lang="ja-JP" altLang="en-US" dirty="0" err="1" smtClean="0"/>
+              <a:t>、</a:t>
+            </a:r>
+            <a:r>
+              <a:rPr kumimoji="1" lang="ja-JP" altLang="en-US" dirty="0" smtClean="0"/>
+              <a:t>どこが特徴ベクトルなのか、説明があるといい</a:t>
+            </a:r>
+            <a:endParaRPr kumimoji="1" lang="en-US" altLang="ja-JP" dirty="0" smtClean="0"/>
+          </a:p>
+          <a:p>
+            <a:endParaRPr lang="en-US" altLang="ja-JP" dirty="0"/>
+          </a:p>
+          <a:p>
+            <a:r>
+              <a:rPr kumimoji="1" lang="en-US" altLang="ja-JP" dirty="0" smtClean="0"/>
+              <a:t>SIFT</a:t>
+            </a:r>
+            <a:r>
+              <a:rPr kumimoji="1" lang="ja-JP" altLang="en-US" dirty="0" smtClean="0"/>
+              <a:t>は固定で</a:t>
+            </a:r>
+            <a:r>
+              <a:rPr kumimoji="1" lang="en-US" altLang="ja-JP" dirty="0" smtClean="0"/>
+              <a:t>(</a:t>
+            </a:r>
+            <a:r>
+              <a:rPr kumimoji="1" lang="ja-JP" altLang="en-US" dirty="0" smtClean="0"/>
+              <a:t>ヒストグラムのような形で出てくる）</a:t>
+            </a:r>
+            <a:endParaRPr kumimoji="1" lang="en-US" altLang="ja-JP" dirty="0" smtClean="0"/>
+          </a:p>
+          <a:p>
+            <a:r>
+              <a:rPr lang="en-US" altLang="ja-JP" dirty="0" smtClean="0"/>
+              <a:t>SIFT</a:t>
+            </a:r>
+            <a:r>
+              <a:rPr lang="ja-JP" altLang="en-US" dirty="0" smtClean="0"/>
+              <a:t>を比較対象にして、ディープラーニングで検出される画像の方を次元数をいじる</a:t>
+            </a:r>
+            <a:endParaRPr lang="en-US" altLang="ja-JP" dirty="0" smtClean="0"/>
+          </a:p>
+          <a:p>
+            <a:endParaRPr kumimoji="1" lang="ja-JP" altLang="en-US" dirty="0"/>
           </a:p>
         </p:txBody>
       </p:sp>
@@ -4340,44 +4388,43 @@
           <a:lstStyle/>
           <a:p>
             <a:r>
+              <a:rPr lang="en-US" altLang="ja-JP" dirty="0" smtClean="0"/>
+              <a:t>Twitter </a:t>
+            </a:r>
+            <a:r>
               <a:rPr lang="ja-JP" altLang="ja-JP" dirty="0"/>
-              <a:t>近年</a:t>
+              <a:t>や </a:t>
+            </a:r>
+            <a:r>
+              <a:rPr lang="en-US" altLang="ja-JP" dirty="0"/>
+              <a:t>Instagram</a:t>
+            </a:r>
+            <a:r>
+              <a:rPr lang="ja-JP" altLang="ja-JP" dirty="0"/>
+              <a:t>などのソーシャルネットワーキングサービスの普及に伴い</a:t>
             </a:r>
             <a:r>
               <a:rPr lang="ja-JP" altLang="en-US" dirty="0"/>
               <a:t>、</a:t>
             </a:r>
             <a:r>
-              <a:rPr lang="en-US" altLang="ja-JP" dirty="0"/>
-              <a:t>Twitter </a:t>
-            </a:r>
-            <a:r>
-              <a:rPr lang="ja-JP" altLang="ja-JP" dirty="0"/>
-              <a:t>や </a:t>
-            </a:r>
-            <a:r>
-              <a:rPr lang="en-US" altLang="ja-JP" dirty="0"/>
-              <a:t>Instagram</a:t>
-            </a:r>
-            <a:r>
-              <a:rPr lang="ja-JP" altLang="ja-JP" dirty="0"/>
-              <a:t>などのソーシャルネットワーキングサービスの普及に伴い</a:t>
-            </a:r>
-            <a:r>
-              <a:rPr lang="ja-JP" altLang="en-US" dirty="0"/>
-              <a:t>、</a:t>
-            </a:r>
-            <a:r>
               <a:rPr lang="ja-JP" altLang="ja-JP" dirty="0"/>
               <a:t>我々のアクセスすることができる画像が急激に増加している</a:t>
             </a:r>
             <a:r>
-              <a:rPr lang="ja-JP" altLang="en-US" dirty="0"/>
+              <a:rPr lang="ja-JP" altLang="en-US" dirty="0" smtClean="0"/>
               <a:t>。</a:t>
             </a:r>
+            <a:endParaRPr lang="en-US" altLang="ja-JP" dirty="0" smtClean="0"/>
+          </a:p>
+          <a:p>
+            <a:r>
+              <a:rPr lang="ja-JP" altLang="ja-JP" dirty="0" smtClean="0"/>
+              <a:t>その</a:t>
+            </a:r>
             <a:r>
               <a:rPr lang="ja-JP" altLang="ja-JP" dirty="0"/>
-              <a:t>そのような大量の画像を用いることで</a:t>
+              <a:t>ような大量の画像を用いることで</a:t>
             </a:r>
             <a:r>
               <a:rPr lang="ja-JP" altLang="en-US" dirty="0"/>
@@ -4694,7 +4741,15 @@
           <a:p>
             <a:r>
               <a:rPr lang="ja-JP" altLang="en-US" dirty="0" smtClean="0"/>
-              <a:t>大量のデータがあふれる中、高次元のデータを認識性能を向上させつつも、計算コストを抑えることでより良いがそう認識を行う。</a:t>
+              <a:t>大量のデータがあふれる中、高次元のデータを認識性能を向上させつつも、計算コストを抑えることでより良い</a:t>
+            </a:r>
+            <a:r>
+              <a:rPr lang="ja-JP" altLang="en-US" dirty="0"/>
+              <a:t>画像</a:t>
+            </a:r>
+            <a:r>
+              <a:rPr lang="ja-JP" altLang="en-US" dirty="0" smtClean="0"/>
+              <a:t>認識を行う。</a:t>
             </a:r>
             <a:endParaRPr lang="en-US" altLang="ja-JP" dirty="0" smtClean="0"/>
           </a:p>
@@ -4923,7 +4978,7 @@
             </a:r>
             <a:r>
               <a:rPr lang="ja-JP" altLang="en-US" dirty="0" smtClean="0"/>
-              <a:t>認識の認識性能を高く保ちつつも、計算コストをできるだけ抑えられる方法を提案</a:t>
+              <a:t>認識の認識性能を高く保ちつつも、計算コストをできるだけ抑えられる方法を提案する。</a:t>
             </a:r>
             <a:endParaRPr lang="en-US" altLang="ja-JP" dirty="0" smtClean="0"/>
           </a:p>
@@ -5070,11 +5125,7 @@
             </a:r>
             <a:r>
               <a:rPr lang="ja-JP" altLang="en-US" dirty="0" smtClean="0"/>
-              <a:t>を用いた特徴量</a:t>
-            </a:r>
-            <a:r>
-              <a:rPr lang="ja-JP" altLang="en-US" dirty="0" smtClean="0"/>
-              <a:t>抽出</a:t>
+              <a:t>を用いた特徴量抽出</a:t>
             </a:r>
             <a:endParaRPr lang="en-US" altLang="ja-JP" dirty="0" smtClean="0"/>
           </a:p>

--- a/1821005_中間発表_テンプレ - (案).pptx
+++ b/1821005_中間発表_テンプレ - (案).pptx
@@ -237,7 +237,7 @@
           <a:p>
             <a:fld id="{27571B5F-C8EC-4379-AD76-80FD414F3861}" type="datetimeFigureOut">
               <a:rPr kumimoji="1" lang="ja-JP" altLang="en-US" smtClean="0"/>
-              <a:t>2021/7/16</a:t>
+              <a:t>2021/7/23</a:t>
             </a:fld>
             <a:endParaRPr kumimoji="1" lang="ja-JP" altLang="en-US"/>
           </a:p>
@@ -756,7 +756,7 @@
           <a:p>
             <a:fld id="{ED609840-96BF-4512-A2C1-C87E0BBF3D2F}" type="datetime1">
               <a:rPr kumimoji="1" lang="ja-JP" altLang="en-US" smtClean="0"/>
-              <a:t>2021/7/16</a:t>
+              <a:t>2021/7/23</a:t>
             </a:fld>
             <a:endParaRPr kumimoji="1" lang="ja-JP" altLang="en-US"/>
           </a:p>
@@ -959,7 +959,7 @@
           <a:p>
             <a:fld id="{F97B6116-28DE-44C1-8891-65688903BD50}" type="datetime1">
               <a:rPr kumimoji="1" lang="ja-JP" altLang="en-US" smtClean="0"/>
-              <a:t>2021/7/16</a:t>
+              <a:t>2021/7/23</a:t>
             </a:fld>
             <a:endParaRPr kumimoji="1" lang="ja-JP" altLang="en-US"/>
           </a:p>
@@ -1172,7 +1172,7 @@
           <a:p>
             <a:fld id="{EDE04BF4-1FC0-40EE-A15F-5986BB2387E9}" type="datetime1">
               <a:rPr kumimoji="1" lang="ja-JP" altLang="en-US" smtClean="0"/>
-              <a:t>2021/7/16</a:t>
+              <a:t>2021/7/23</a:t>
             </a:fld>
             <a:endParaRPr kumimoji="1" lang="ja-JP" altLang="en-US"/>
           </a:p>
@@ -1375,7 +1375,7 @@
           <a:p>
             <a:fld id="{AFE4124D-C094-469A-99BC-7EA66CDB293F}" type="datetime1">
               <a:rPr kumimoji="1" lang="ja-JP" altLang="en-US" smtClean="0"/>
-              <a:t>2021/7/16</a:t>
+              <a:t>2021/7/23</a:t>
             </a:fld>
             <a:endParaRPr kumimoji="1" lang="ja-JP" altLang="en-US"/>
           </a:p>
@@ -1620,7 +1620,7 @@
           <a:p>
             <a:fld id="{F808FAA8-DC38-46BC-9A48-0414366DDF43}" type="datetime1">
               <a:rPr kumimoji="1" lang="ja-JP" altLang="en-US" smtClean="0"/>
-              <a:t>2021/7/16</a:t>
+              <a:t>2021/7/23</a:t>
             </a:fld>
             <a:endParaRPr kumimoji="1" lang="ja-JP" altLang="en-US"/>
           </a:p>
@@ -1917,7 +1917,7 @@
           <a:p>
             <a:fld id="{43B61DD3-8484-4FD8-9D55-71FA047E405C}" type="datetime1">
               <a:rPr kumimoji="1" lang="ja-JP" altLang="en-US" smtClean="0"/>
-              <a:t>2021/7/16</a:t>
+              <a:t>2021/7/23</a:t>
             </a:fld>
             <a:endParaRPr kumimoji="1" lang="ja-JP" altLang="en-US"/>
           </a:p>
@@ -2349,7 +2349,7 @@
           <a:p>
             <a:fld id="{61FE3252-B303-4BFD-B995-E88780D087A2}" type="datetime1">
               <a:rPr kumimoji="1" lang="ja-JP" altLang="en-US" smtClean="0"/>
-              <a:t>2021/7/16</a:t>
+              <a:t>2021/7/23</a:t>
             </a:fld>
             <a:endParaRPr kumimoji="1" lang="ja-JP" altLang="en-US"/>
           </a:p>
@@ -2468,7 +2468,7 @@
           <a:p>
             <a:fld id="{83973884-A525-473B-9B85-E710649C3EE9}" type="datetime1">
               <a:rPr kumimoji="1" lang="ja-JP" altLang="en-US" smtClean="0"/>
-              <a:t>2021/7/16</a:t>
+              <a:t>2021/7/23</a:t>
             </a:fld>
             <a:endParaRPr kumimoji="1" lang="ja-JP" altLang="en-US"/>
           </a:p>
@@ -2564,7 +2564,7 @@
           <a:p>
             <a:fld id="{630B9591-4670-4AF8-B7B7-F5F2443A761A}" type="datetime1">
               <a:rPr kumimoji="1" lang="ja-JP" altLang="en-US" smtClean="0"/>
-              <a:t>2021/7/16</a:t>
+              <a:t>2021/7/23</a:t>
             </a:fld>
             <a:endParaRPr kumimoji="1" lang="ja-JP" altLang="en-US"/>
           </a:p>
@@ -2874,7 +2874,7 @@
           <a:p>
             <a:fld id="{434F6BA0-5DA2-4153-9B76-E2457FA21F47}" type="datetime1">
               <a:rPr kumimoji="1" lang="ja-JP" altLang="en-US" smtClean="0"/>
-              <a:t>2021/7/16</a:t>
+              <a:t>2021/7/23</a:t>
             </a:fld>
             <a:endParaRPr kumimoji="1" lang="ja-JP" altLang="en-US"/>
           </a:p>
@@ -3132,7 +3132,7 @@
           <a:p>
             <a:fld id="{590B58CC-0A81-4826-A84E-1F1030B25368}" type="datetime1">
               <a:rPr kumimoji="1" lang="ja-JP" altLang="en-US" smtClean="0"/>
-              <a:t>2021/7/16</a:t>
+              <a:t>2021/7/23</a:t>
             </a:fld>
             <a:endParaRPr kumimoji="1" lang="ja-JP" altLang="en-US"/>
           </a:p>
@@ -3378,7 +3378,7 @@
           <a:p>
             <a:fld id="{77253A0B-EAD4-46D7-BD2F-C5BFFB89C890}" type="datetime1">
               <a:rPr kumimoji="1" lang="ja-JP" altLang="en-US" smtClean="0"/>
-              <a:t>2021/7/16</a:t>
+              <a:t>2021/7/23</a:t>
             </a:fld>
             <a:endParaRPr kumimoji="1" lang="ja-JP" altLang="en-US"/>
           </a:p>
@@ -5251,7 +5251,7 @@
         </p:blipFill>
         <p:spPr>
           <a:xfrm>
-            <a:off x="630238" y="2989012"/>
+            <a:off x="629445" y="2989011"/>
             <a:ext cx="3868737" cy="2716713"/>
           </a:xfrm>
           <a:prstGeom prst="rect">
